--- a/Concevoir-un-Tableau-de-Bord-Interactif/Grille-du-tableau-de-bord.pptx
+++ b/Concevoir-un-Tableau-de-Bord-Interactif/Grille-du-tableau-de-bord.pptx
@@ -274,7 +274,7 @@
           <a:p>
             <a:fld id="{97EB7EF6-9001-364D-8924-E6A0FE58529B}" type="datetimeFigureOut">
               <a:rPr lang="fr-FR" smtClean="0"/>
-              <a:t>25/09/2020</a:t>
+              <a:t>23/12/2022</a:t>
             </a:fld>
             <a:endParaRPr lang="fr-FR"/>
           </a:p>
@@ -444,7 +444,7 @@
           <a:p>
             <a:fld id="{97EB7EF6-9001-364D-8924-E6A0FE58529B}" type="datetimeFigureOut">
               <a:rPr lang="fr-FR" smtClean="0"/>
-              <a:t>25/09/2020</a:t>
+              <a:t>23/12/2022</a:t>
             </a:fld>
             <a:endParaRPr lang="fr-FR"/>
           </a:p>
@@ -624,7 +624,7 @@
           <a:p>
             <a:fld id="{97EB7EF6-9001-364D-8924-E6A0FE58529B}" type="datetimeFigureOut">
               <a:rPr lang="fr-FR" smtClean="0"/>
-              <a:t>25/09/2020</a:t>
+              <a:t>23/12/2022</a:t>
             </a:fld>
             <a:endParaRPr lang="fr-FR"/>
           </a:p>
@@ -794,7 +794,7 @@
           <a:p>
             <a:fld id="{97EB7EF6-9001-364D-8924-E6A0FE58529B}" type="datetimeFigureOut">
               <a:rPr lang="fr-FR" smtClean="0"/>
-              <a:t>25/09/2020</a:t>
+              <a:t>23/12/2022</a:t>
             </a:fld>
             <a:endParaRPr lang="fr-FR"/>
           </a:p>
@@ -1040,7 +1040,7 @@
           <a:p>
             <a:fld id="{97EB7EF6-9001-364D-8924-E6A0FE58529B}" type="datetimeFigureOut">
               <a:rPr lang="fr-FR" smtClean="0"/>
-              <a:t>25/09/2020</a:t>
+              <a:t>23/12/2022</a:t>
             </a:fld>
             <a:endParaRPr lang="fr-FR"/>
           </a:p>
@@ -1272,7 +1272,7 @@
           <a:p>
             <a:fld id="{97EB7EF6-9001-364D-8924-E6A0FE58529B}" type="datetimeFigureOut">
               <a:rPr lang="fr-FR" smtClean="0"/>
-              <a:t>25/09/2020</a:t>
+              <a:t>23/12/2022</a:t>
             </a:fld>
             <a:endParaRPr lang="fr-FR"/>
           </a:p>
@@ -1639,7 +1639,7 @@
           <a:p>
             <a:fld id="{97EB7EF6-9001-364D-8924-E6A0FE58529B}" type="datetimeFigureOut">
               <a:rPr lang="fr-FR" smtClean="0"/>
-              <a:t>25/09/2020</a:t>
+              <a:t>23/12/2022</a:t>
             </a:fld>
             <a:endParaRPr lang="fr-FR"/>
           </a:p>
@@ -1757,7 +1757,7 @@
           <a:p>
             <a:fld id="{97EB7EF6-9001-364D-8924-E6A0FE58529B}" type="datetimeFigureOut">
               <a:rPr lang="fr-FR" smtClean="0"/>
-              <a:t>25/09/2020</a:t>
+              <a:t>23/12/2022</a:t>
             </a:fld>
             <a:endParaRPr lang="fr-FR"/>
           </a:p>
@@ -1852,7 +1852,7 @@
           <a:p>
             <a:fld id="{97EB7EF6-9001-364D-8924-E6A0FE58529B}" type="datetimeFigureOut">
               <a:rPr lang="fr-FR" smtClean="0"/>
-              <a:t>25/09/2020</a:t>
+              <a:t>23/12/2022</a:t>
             </a:fld>
             <a:endParaRPr lang="fr-FR"/>
           </a:p>
@@ -2129,7 +2129,7 @@
           <a:p>
             <a:fld id="{97EB7EF6-9001-364D-8924-E6A0FE58529B}" type="datetimeFigureOut">
               <a:rPr lang="fr-FR" smtClean="0"/>
-              <a:t>25/09/2020</a:t>
+              <a:t>23/12/2022</a:t>
             </a:fld>
             <a:endParaRPr lang="fr-FR"/>
           </a:p>
@@ -2386,7 +2386,7 @@
           <a:p>
             <a:fld id="{97EB7EF6-9001-364D-8924-E6A0FE58529B}" type="datetimeFigureOut">
               <a:rPr lang="fr-FR" smtClean="0"/>
-              <a:t>25/09/2020</a:t>
+              <a:t>23/12/2022</a:t>
             </a:fld>
             <a:endParaRPr lang="fr-FR"/>
           </a:p>
@@ -2599,7 +2599,7 @@
           <a:p>
             <a:fld id="{97EB7EF6-9001-364D-8924-E6A0FE58529B}" type="datetimeFigureOut">
               <a:rPr lang="fr-FR" smtClean="0"/>
-              <a:t>25/09/2020</a:t>
+              <a:t>23/12/2022</a:t>
             </a:fld>
             <a:endParaRPr lang="fr-FR"/>
           </a:p>
@@ -3846,7 +3846,7 @@
         </p:nvGrpSpPr>
         <p:grpSpPr>
           <a:xfrm>
-            <a:off x="1355327" y="-625093"/>
+            <a:off x="1778255" y="-289448"/>
             <a:ext cx="3102808" cy="252447"/>
             <a:chOff x="691570" y="1693407"/>
             <a:chExt cx="3102808" cy="252447"/>
